--- a/The situated driver.pptx
+++ b/The situated driver.pptx
@@ -3117,7 +3117,11 @@
           <a:p>
             <a:r>
               <a:rPr lang="en-US" dirty="0" smtClean="0"/>
-              <a:t>The situated driver</a:t>
+              <a:t>Beyond the </a:t>
+            </a:r>
+            <a:r>
+              <a:rPr lang="en-US" smtClean="0"/>
+              <a:t>yellow diamond</a:t>
             </a:r>
             <a:endParaRPr lang="en-US" dirty="0"/>
           </a:p>
@@ -3268,7 +3272,7 @@
             </a:pPr>
             <a:r>
               <a:rPr lang="en-US" dirty="0" smtClean="0"/>
-              <a:t>extends the driver’s means of perception beyond sight and sound</a:t>
+              <a:t>extends the driver’s means of perception beyond sight and sound into the</a:t>
             </a:r>
             <a:endParaRPr lang="en-US" dirty="0"/>
           </a:p>
@@ -3317,13 +3321,13 @@
         <p:spPr/>
         <p:txBody>
           <a:bodyPr>
-            <a:normAutofit fontScale="90000"/>
+            <a:normAutofit/>
           </a:bodyPr>
           <a:lstStyle/>
           <a:p>
             <a:r>
               <a:rPr lang="en-US" dirty="0" smtClean="0"/>
-              <a:t>Use cases: beyond the yellow diamond</a:t>
+              <a:t>Beyond the yellow diamond</a:t>
             </a:r>
             <a:endParaRPr lang="en-US" dirty="0"/>
           </a:p>
@@ -3368,6 +3372,26 @@
             <a:r>
               <a:rPr lang="en-US" dirty="0" smtClean="0"/>
               <a:t>slippery when wet (and it’s wet now)</a:t>
+            </a:r>
+          </a:p>
+          <a:p>
+            <a:r>
+              <a:rPr lang="en-US" dirty="0" smtClean="0"/>
+              <a:t>Your get-me-directions server ….</a:t>
+            </a:r>
+          </a:p>
+          <a:p>
+            <a:pPr lvl="1"/>
+            <a:r>
+              <a:rPr lang="en-US" dirty="0" smtClean="0"/>
+              <a:t>can optimize routes to avoid hazards</a:t>
+            </a:r>
+          </a:p>
+          <a:p>
+            <a:pPr lvl="1"/>
+            <a:r>
+              <a:rPr lang="en-US" dirty="0" smtClean="0"/>
+              <a:t>can annotate directions with hazards</a:t>
             </a:r>
           </a:p>
           <a:p>
@@ -3667,7 +3691,7 @@
           <a:p>
             <a:r>
               <a:rPr lang="en-US" dirty="0" smtClean="0"/>
-              <a:t>Beyond the yellow diamond: Drivers more aware of potential hazards</a:t>
+              <a:t>Beyond the yellow diamond: Drivers more aware of potential hazards – and are better prepared for them</a:t>
             </a:r>
           </a:p>
           <a:p>

--- a/The situated driver.pptx
+++ b/The situated driver.pptx
@@ -8,9 +8,9 @@
     <p:sldId id="256" r:id="rId2"/>
     <p:sldId id="257" r:id="rId3"/>
     <p:sldId id="261" r:id="rId4"/>
-    <p:sldId id="260" r:id="rId5"/>
-    <p:sldId id="258" r:id="rId6"/>
-    <p:sldId id="259" r:id="rId7"/>
+    <p:sldId id="258" r:id="rId5"/>
+    <p:sldId id="259" r:id="rId6"/>
+    <p:sldId id="260" r:id="rId7"/>
   </p:sldIdLst>
   <p:sldSz cx="9144000" cy="6858000" type="screen4x3"/>
   <p:notesSz cx="6858000" cy="9144000"/>
@@ -3100,6 +3100,36 @@
           <a:chExt cx="0" cy="0"/>
         </a:xfrm>
       </p:grpSpPr>
+      <p:pic>
+        <p:nvPicPr>
+          <p:cNvPr id="4" name="Picture 3" descr="Road signs.JPG"/>
+          <p:cNvPicPr>
+            <a:picLocks noChangeAspect="1"/>
+          </p:cNvPicPr>
+          <p:nvPr/>
+        </p:nvPicPr>
+        <p:blipFill>
+          <a:blip r:embed="rId2">
+            <a:extLst>
+              <a:ext uri="{28A0092B-C50C-407E-A947-70E740481C1C}">
+                <a14:useLocalDpi xmlns:a14="http://schemas.microsoft.com/office/drawing/2010/main" val="0"/>
+              </a:ext>
+            </a:extLst>
+          </a:blip>
+          <a:stretch>
+            <a:fillRect/>
+          </a:stretch>
+        </p:blipFill>
+        <p:spPr>
+          <a:xfrm>
+            <a:off x="1371600" y="-264044"/>
+            <a:ext cx="6558692" cy="8300487"/>
+          </a:xfrm>
+          <a:prstGeom prst="rect">
+            <a:avLst/>
+          </a:prstGeom>
+        </p:spPr>
+      </p:pic>
       <p:sp>
         <p:nvSpPr>
           <p:cNvPr id="2" name="Title 1"/>
@@ -3117,11 +3147,7 @@
           <a:p>
             <a:r>
               <a:rPr lang="en-US" dirty="0" smtClean="0"/>
-              <a:t>Beyond the </a:t>
-            </a:r>
-            <a:r>
-              <a:rPr lang="en-US" smtClean="0"/>
-              <a:t>yellow diamond</a:t>
+              <a:t>Beyond the yellow diamond</a:t>
             </a:r>
             <a:endParaRPr lang="en-US" dirty="0"/>
           </a:p>
@@ -3345,7 +3371,9 @@
         </p:nvSpPr>
         <p:spPr/>
         <p:txBody>
-          <a:bodyPr/>
+          <a:bodyPr>
+            <a:normAutofit lnSpcReduction="10000"/>
+          </a:bodyPr>
           <a:lstStyle/>
           <a:p>
             <a:r>
@@ -3371,7 +3399,7 @@
             <a:pPr lvl="1"/>
             <a:r>
               <a:rPr lang="en-US" dirty="0" smtClean="0"/>
-              <a:t>slippery when wet (and it’s wet now)</a:t>
+              <a:t>reports can be tuned to time-of-day, current weather conditions: slippery when wet (and it’s wet now)</a:t>
             </a:r>
           </a:p>
           <a:p>
@@ -3434,6 +3462,36 @@
           <a:chExt cx="0" cy="0"/>
         </a:xfrm>
       </p:grpSpPr>
+      <p:pic>
+        <p:nvPicPr>
+          <p:cNvPr id="4" name="Content Placeholder 3" descr="Mass Accidents.tiff"/>
+          <p:cNvPicPr>
+            <a:picLocks noGrp="1" noChangeAspect="1"/>
+          </p:cNvPicPr>
+          <p:nvPr>
+            <p:ph idx="1"/>
+          </p:nvPr>
+        </p:nvPicPr>
+        <p:blipFill>
+          <a:blip r:embed="rId2">
+            <a:extLst>
+              <a:ext uri="{28A0092B-C50C-407E-A947-70E740481C1C}">
+                <a14:useLocalDpi xmlns:a14="http://schemas.microsoft.com/office/drawing/2010/main" val="0"/>
+              </a:ext>
+            </a:extLst>
+          </a:blip>
+          <a:srcRect t="8052" b="8052"/>
+          <a:stretch>
+            <a:fillRect/>
+          </a:stretch>
+        </p:blipFill>
+        <p:spPr>
+          <a:xfrm>
+            <a:off x="1092148" y="1600200"/>
+            <a:ext cx="7176951" cy="3947047"/>
+          </a:xfrm>
+        </p:spPr>
+      </p:pic>
       <p:sp>
         <p:nvSpPr>
           <p:cNvPr id="2" name="Title 1"/>
@@ -3451,7 +3509,7 @@
           <a:p>
             <a:r>
               <a:rPr lang="en-US" dirty="0" smtClean="0"/>
-              <a:t>Hazard inputs</a:t>
+              <a:t>A GPS that warns you</a:t>
             </a:r>
             <a:endParaRPr lang="en-US" dirty="0"/>
           </a:p>
@@ -3459,53 +3517,44 @@
       </p:sp>
       <p:sp>
         <p:nvSpPr>
-          <p:cNvPr id="3" name="Content Placeholder 2"/>
-          <p:cNvSpPr>
-            <a:spLocks noGrp="1"/>
-          </p:cNvSpPr>
-          <p:nvPr>
-            <p:ph idx="1"/>
-          </p:nvPr>
-        </p:nvSpPr>
-        <p:spPr/>
-        <p:txBody>
-          <a:bodyPr/>
-          <a:lstStyle/>
-          <a:p>
-            <a:r>
-              <a:rPr lang="en-US" dirty="0" err="1" smtClean="0"/>
-              <a:t>Geotagged</a:t>
-            </a:r>
-            <a:r>
-              <a:rPr lang="en-US" dirty="0" smtClean="0"/>
-              <a:t> accident reports from recent years (e.g., &lt;insert URL&gt;)</a:t>
-            </a:r>
-          </a:p>
-          <a:p>
-            <a:r>
-              <a:rPr lang="en-US" dirty="0" err="1" smtClean="0"/>
-              <a:t>Geotagged</a:t>
-            </a:r>
-            <a:r>
-              <a:rPr lang="en-US" dirty="0" smtClean="0"/>
-              <a:t> pothole notices (e.g., &lt;insert URL&gt;)</a:t>
-            </a:r>
-          </a:p>
-          <a:p>
-            <a:r>
-              <a:rPr lang="en-US" dirty="0" smtClean="0"/>
-              <a:t>Pothole reports from voluntarily-uploaded OBD data</a:t>
-            </a:r>
-          </a:p>
-          <a:p>
-            <a:endParaRPr lang="en-US" dirty="0"/>
+          <p:cNvPr id="5" name="TextBox 4"/>
+          <p:cNvSpPr txBox="1"/>
+          <p:nvPr/>
+        </p:nvSpPr>
+        <p:spPr>
+          <a:xfrm>
+            <a:off x="1092148" y="5671003"/>
+            <a:ext cx="7176951" cy="646331"/>
+          </a:xfrm>
+          <a:prstGeom prst="rect">
+            <a:avLst/>
+          </a:prstGeom>
+          <a:noFill/>
+        </p:spPr>
+        <p:txBody>
+          <a:bodyPr wrap="square" rtlCol="0">
+            <a:spAutoFit/>
+          </a:bodyPr>
+          <a:lstStyle/>
+          <a:p>
+            <a:r>
+              <a:rPr lang="en-US" i="1" dirty="0" smtClean="0"/>
+              <a:t>…you are approaching a dangerous intersection…</a:t>
+            </a:r>
+          </a:p>
+          <a:p>
+            <a:r>
+              <a:rPr lang="en-US" i="1" dirty="0" smtClean="0"/>
+              <a:t>…frequent icy conditions here….</a:t>
+            </a:r>
+            <a:endParaRPr lang="en-US" i="1" dirty="0"/>
           </a:p>
         </p:txBody>
       </p:sp>
     </p:spTree>
     <p:extLst>
       <p:ext uri="{BB962C8B-B14F-4D97-AF65-F5344CB8AC3E}">
-        <p14:creationId xmlns:p14="http://schemas.microsoft.com/office/powerpoint/2010/main" val="2781125726"/>
+        <p14:creationId xmlns:p14="http://schemas.microsoft.com/office/powerpoint/2010/main" val="2945599281"/>
       </p:ext>
     </p:extLst>
   </p:cSld>
@@ -3532,45 +3581,38 @@
           <a:chExt cx="0" cy="0"/>
         </a:xfrm>
       </p:grpSpPr>
-      <p:pic>
-        <p:nvPicPr>
-          <p:cNvPr id="4" name="Content Placeholder 3" descr="Mass Accidents.tiff"/>
-          <p:cNvPicPr>
-            <a:picLocks noGrp="1" noChangeAspect="1"/>
-          </p:cNvPicPr>
+      <p:sp>
+        <p:nvSpPr>
+          <p:cNvPr id="2" name="Title 1"/>
+          <p:cNvSpPr>
+            <a:spLocks noGrp="1"/>
+          </p:cNvSpPr>
+          <p:nvPr>
+            <p:ph type="title"/>
+          </p:nvPr>
+        </p:nvSpPr>
+        <p:spPr/>
+        <p:txBody>
+          <a:bodyPr/>
+          <a:lstStyle/>
+          <a:p>
+            <a:r>
+              <a:rPr lang="en-US" dirty="0" smtClean="0"/>
+              <a:t>Impact (the good kind)</a:t>
+            </a:r>
+            <a:endParaRPr lang="en-US" dirty="0"/>
+          </a:p>
+        </p:txBody>
+      </p:sp>
+      <p:sp>
+        <p:nvSpPr>
+          <p:cNvPr id="3" name="Content Placeholder 2"/>
+          <p:cNvSpPr>
+            <a:spLocks noGrp="1"/>
+          </p:cNvSpPr>
           <p:nvPr>
             <p:ph idx="1"/>
           </p:nvPr>
-        </p:nvPicPr>
-        <p:blipFill>
-          <a:blip r:embed="rId2">
-            <a:extLst>
-              <a:ext uri="{28A0092B-C50C-407E-A947-70E740481C1C}">
-                <a14:useLocalDpi xmlns:a14="http://schemas.microsoft.com/office/drawing/2010/main" val="0"/>
-              </a:ext>
-            </a:extLst>
-          </a:blip>
-          <a:srcRect t="8052" b="8052"/>
-          <a:stretch>
-            <a:fillRect/>
-          </a:stretch>
-        </p:blipFill>
-        <p:spPr>
-          <a:xfrm>
-            <a:off x="1092148" y="1600200"/>
-            <a:ext cx="7176951" cy="3947047"/>
-          </a:xfrm>
-        </p:spPr>
-      </p:pic>
-      <p:sp>
-        <p:nvSpPr>
-          <p:cNvPr id="2" name="Title 1"/>
-          <p:cNvSpPr>
-            <a:spLocks noGrp="1"/>
-          </p:cNvSpPr>
-          <p:nvPr>
-            <p:ph type="title"/>
-          </p:nvPr>
         </p:nvSpPr>
         <p:spPr/>
         <p:txBody>
@@ -3579,52 +3621,22 @@
           <a:p>
             <a:r>
               <a:rPr lang="en-US" dirty="0" smtClean="0"/>
-              <a:t>A GPS that warns you</a:t>
+              <a:t>Beyond the yellow diamond: Drivers more aware of potential hazards – and are better prepared for them</a:t>
+            </a:r>
+          </a:p>
+          <a:p>
+            <a:r>
+              <a:rPr lang="en-US" dirty="0" smtClean="0"/>
+              <a:t>Insurance companies give a discount to drivers that take advantage of the system</a:t>
             </a:r>
             <a:endParaRPr lang="en-US" dirty="0"/>
-          </a:p>
-        </p:txBody>
-      </p:sp>
-      <p:sp>
-        <p:nvSpPr>
-          <p:cNvPr id="5" name="TextBox 4"/>
-          <p:cNvSpPr txBox="1"/>
-          <p:nvPr/>
-        </p:nvSpPr>
-        <p:spPr>
-          <a:xfrm>
-            <a:off x="1092148" y="5671003"/>
-            <a:ext cx="7176951" cy="646331"/>
-          </a:xfrm>
-          <a:prstGeom prst="rect">
-            <a:avLst/>
-          </a:prstGeom>
-          <a:noFill/>
-        </p:spPr>
-        <p:txBody>
-          <a:bodyPr wrap="square" rtlCol="0">
-            <a:spAutoFit/>
-          </a:bodyPr>
-          <a:lstStyle/>
-          <a:p>
-            <a:r>
-              <a:rPr lang="en-US" i="1" dirty="0" smtClean="0"/>
-              <a:t>…you are approaching a dangerous intersection…</a:t>
-            </a:r>
-          </a:p>
-          <a:p>
-            <a:r>
-              <a:rPr lang="en-US" i="1" dirty="0" smtClean="0"/>
-              <a:t>…frequent icy conditions here….</a:t>
-            </a:r>
-            <a:endParaRPr lang="en-US" i="1" dirty="0"/>
           </a:p>
         </p:txBody>
       </p:sp>
     </p:spTree>
     <p:extLst>
       <p:ext uri="{BB962C8B-B14F-4D97-AF65-F5344CB8AC3E}">
-        <p14:creationId xmlns:p14="http://schemas.microsoft.com/office/powerpoint/2010/main" val="2945599281"/>
+        <p14:creationId xmlns:p14="http://schemas.microsoft.com/office/powerpoint/2010/main" val="3167474323"/>
       </p:ext>
     </p:extLst>
   </p:cSld>
@@ -3668,7 +3680,7 @@
           <a:p>
             <a:r>
               <a:rPr lang="en-US" dirty="0" smtClean="0"/>
-              <a:t>Impact (the good kind)</a:t>
+              <a:t>Hazard inputs</a:t>
             </a:r>
             <a:endParaRPr lang="en-US" dirty="0"/>
           </a:p>
@@ -3690,15 +3702,31 @@
           <a:lstStyle/>
           <a:p>
             <a:r>
+              <a:rPr lang="en-US" dirty="0" err="1" smtClean="0"/>
+              <a:t>Geotagged</a:t>
+            </a:r>
+            <a:r>
               <a:rPr lang="en-US" dirty="0" smtClean="0"/>
-              <a:t>Beyond the yellow diamond: Drivers more aware of potential hazards – and are better prepared for them</a:t>
-            </a:r>
-          </a:p>
-          <a:p>
+              <a:t> accident reports from recent years (e.g., &lt;insert URL&gt;)</a:t>
+            </a:r>
+          </a:p>
+          <a:p>
+            <a:r>
+              <a:rPr lang="en-US" dirty="0" err="1" smtClean="0"/>
+              <a:t>Geotagged</a:t>
+            </a:r>
             <a:r>
               <a:rPr lang="en-US" dirty="0" smtClean="0"/>
-              <a:t>Insurance companies give a discount to drivers that take advantage of the system</a:t>
-            </a:r>
+              <a:t> pothole notices (e.g., &lt;insert URL&gt;)</a:t>
+            </a:r>
+          </a:p>
+          <a:p>
+            <a:r>
+              <a:rPr lang="en-US" dirty="0" smtClean="0"/>
+              <a:t>Pothole reports from voluntarily-uploaded OBD data</a:t>
+            </a:r>
+          </a:p>
+          <a:p>
             <a:endParaRPr lang="en-US" dirty="0"/>
           </a:p>
         </p:txBody>
@@ -3706,7 +3734,7 @@
     </p:spTree>
     <p:extLst>
       <p:ext uri="{BB962C8B-B14F-4D97-AF65-F5344CB8AC3E}">
-        <p14:creationId xmlns:p14="http://schemas.microsoft.com/office/powerpoint/2010/main" val="3167474323"/>
+        <p14:creationId xmlns:p14="http://schemas.microsoft.com/office/powerpoint/2010/main" val="2781125726"/>
       </p:ext>
     </p:extLst>
   </p:cSld>
